--- a/AdvanceJSandTS/AdvJSandTS.pptx
+++ b/AdvanceJSandTS/AdvJSandTS.pptx
@@ -17,7 +17,9 @@
     <p:sldId id="266" r:id="rId11"/>
     <p:sldId id="267" r:id="rId12"/>
     <p:sldId id="268" r:id="rId13"/>
-    <p:sldId id="262" r:id="rId14"/>
+    <p:sldId id="269" r:id="rId14"/>
+    <p:sldId id="270" r:id="rId15"/>
+    <p:sldId id="262" r:id="rId16"/>
   </p:sldIdLst>
   <p:sldSz cx="12192000" cy="6858000"/>
   <p:notesSz cx="6858000" cy="9144000"/>
@@ -3810,7 +3812,7 @@
         <p:spPr>
           <a:xfrm>
             <a:off x="535675" y="1255595"/>
-            <a:ext cx="11037626" cy="3973524"/>
+            <a:ext cx="11037626" cy="5220019"/>
           </a:xfrm>
           <a:prstGeom prst="rect">
             <a:avLst/>
@@ -3905,6 +3907,51 @@
               </a:rPr>
               <a:t>https://www.freecodecamp.org/news/lets-learn-javascript-closures-66feb44f6a44/</a:t>
             </a:r>
+            <a:endParaRPr lang="en-IN" dirty="0">
+              <a:solidFill>
+                <a:schemeClr val="bg1"/>
+              </a:solidFill>
+            </a:endParaRPr>
+          </a:p>
+          <a:p>
+            <a:pPr algn="just">
+              <a:lnSpc>
+                <a:spcPct val="150000"/>
+              </a:lnSpc>
+            </a:pPr>
+            <a:endParaRPr lang="en-IN" dirty="0">
+              <a:solidFill>
+                <a:schemeClr val="bg1"/>
+              </a:solidFill>
+            </a:endParaRPr>
+          </a:p>
+          <a:p>
+            <a:pPr algn="just">
+              <a:lnSpc>
+                <a:spcPct val="150000"/>
+              </a:lnSpc>
+            </a:pPr>
+            <a:r>
+              <a:rPr lang="en-IN" dirty="0">
+                <a:solidFill>
+                  <a:schemeClr val="bg1"/>
+                </a:solidFill>
+                <a:hlinkClick r:id="rId3"/>
+              </a:rPr>
+              <a:t>https://www.geeksforgeeks.org/closure-in-javascript/</a:t>
+            </a:r>
+            <a:endParaRPr lang="en-IN" dirty="0">
+              <a:solidFill>
+                <a:schemeClr val="bg1"/>
+              </a:solidFill>
+            </a:endParaRPr>
+          </a:p>
+          <a:p>
+            <a:pPr algn="just">
+              <a:lnSpc>
+                <a:spcPct val="150000"/>
+              </a:lnSpc>
+            </a:pPr>
             <a:endParaRPr lang="en-IN" dirty="0">
               <a:solidFill>
                 <a:schemeClr val="bg1"/>
@@ -4181,6 +4228,735 @@
 </file>
 
 <file path=ppt/slides/slide13.xml><?xml version="1.0" encoding="utf-8"?>
+<p:sld xmlns:a="http://schemas.openxmlformats.org/drawingml/2006/main" xmlns:r="http://schemas.openxmlformats.org/officeDocument/2006/relationships" xmlns:p="http://schemas.openxmlformats.org/presentationml/2006/main">
+  <p:cSld>
+    <p:spTree>
+      <p:nvGrpSpPr>
+        <p:cNvPr id="1" name=""/>
+        <p:cNvGrpSpPr/>
+        <p:nvPr/>
+      </p:nvGrpSpPr>
+      <p:grpSpPr>
+        <a:xfrm>
+          <a:off x="0" y="0"/>
+          <a:ext cx="0" cy="0"/>
+          <a:chOff x="0" y="0"/>
+          <a:chExt cx="0" cy="0"/>
+        </a:xfrm>
+      </p:grpSpPr>
+      <p:sp>
+        <p:nvSpPr>
+          <p:cNvPr id="4" name="Title 1">
+            <a:extLst>
+              <a:ext uri="{FF2B5EF4-FFF2-40B4-BE49-F238E27FC236}">
+                <a16:creationId xmlns:a16="http://schemas.microsoft.com/office/drawing/2014/main" id="{D5FD72E1-A3C4-34E5-79DF-5988263F325E}"/>
+              </a:ext>
+            </a:extLst>
+          </p:cNvPr>
+          <p:cNvSpPr txBox="1">
+            <a:spLocks/>
+          </p:cNvSpPr>
+          <p:nvPr/>
+        </p:nvSpPr>
+        <p:spPr>
+          <a:xfrm>
+            <a:off x="411573" y="419717"/>
+            <a:ext cx="10515600" cy="835878"/>
+          </a:xfrm>
+          <a:prstGeom prst="rect">
+            <a:avLst/>
+          </a:prstGeom>
+        </p:spPr>
+        <p:txBody>
+          <a:bodyPr/>
+          <a:lstStyle>
+            <a:lvl1pPr algn="l" defTabSz="914400" rtl="0" eaLnBrk="1" latinLnBrk="0" hangingPunct="1">
+              <a:lnSpc>
+                <a:spcPct val="90000"/>
+              </a:lnSpc>
+              <a:spcBef>
+                <a:spcPct val="0"/>
+              </a:spcBef>
+              <a:buNone/>
+              <a:defRPr sz="4400" kern="1200">
+                <a:solidFill>
+                  <a:schemeClr val="tx1"/>
+                </a:solidFill>
+                <a:latin typeface="+mj-lt"/>
+                <a:ea typeface="+mj-ea"/>
+                <a:cs typeface="+mj-cs"/>
+              </a:defRPr>
+            </a:lvl1pPr>
+          </a:lstStyle>
+          <a:p>
+            <a:r>
+              <a:rPr lang="en-US" dirty="0">
+                <a:solidFill>
+                  <a:schemeClr val="bg1"/>
+                </a:solidFill>
+              </a:rPr>
+              <a:t>Rest Parameters &amp; Spread Operator:</a:t>
+            </a:r>
+            <a:endParaRPr lang="en-IN" dirty="0">
+              <a:solidFill>
+                <a:schemeClr val="bg1"/>
+              </a:solidFill>
+            </a:endParaRPr>
+          </a:p>
+        </p:txBody>
+      </p:sp>
+      <p:sp>
+        <p:nvSpPr>
+          <p:cNvPr id="5" name="TextBox 4">
+            <a:extLst>
+              <a:ext uri="{FF2B5EF4-FFF2-40B4-BE49-F238E27FC236}">
+                <a16:creationId xmlns:a16="http://schemas.microsoft.com/office/drawing/2014/main" id="{578C451A-2667-AF49-9A8C-D075C8D45152}"/>
+              </a:ext>
+            </a:extLst>
+          </p:cNvPr>
+          <p:cNvSpPr txBox="1"/>
+          <p:nvPr/>
+        </p:nvSpPr>
+        <p:spPr>
+          <a:xfrm>
+            <a:off x="535675" y="1255595"/>
+            <a:ext cx="11037626" cy="5593839"/>
+          </a:xfrm>
+          <a:prstGeom prst="rect">
+            <a:avLst/>
+          </a:prstGeom>
+          <a:noFill/>
+        </p:spPr>
+        <p:txBody>
+          <a:bodyPr wrap="square">
+            <a:spAutoFit/>
+          </a:bodyPr>
+          <a:lstStyle/>
+          <a:p>
+            <a:pPr algn="just">
+              <a:lnSpc>
+                <a:spcPct val="150000"/>
+              </a:lnSpc>
+            </a:pPr>
+            <a:r>
+              <a:rPr lang="en-US" sz="1600" b="0" i="0" dirty="0">
+                <a:solidFill>
+                  <a:schemeClr val="bg1"/>
+                </a:solidFill>
+                <a:effectLst/>
+                <a:latin typeface="Open Sans" panose="020B0606030504020204" pitchFamily="34" charset="0"/>
+              </a:rPr>
+              <a:t>Rest parameter is an improved way of handling function parameter, allowing us to more easily handle various input as parameters in a function. The rest parameter syntax allows us to represent an indefinite number of arguments as an array.</a:t>
+            </a:r>
+          </a:p>
+          <a:p>
+            <a:pPr algn="just">
+              <a:lnSpc>
+                <a:spcPct val="150000"/>
+              </a:lnSpc>
+            </a:pPr>
+            <a:endParaRPr lang="en-US" sz="1600" dirty="0">
+              <a:solidFill>
+                <a:schemeClr val="bg1"/>
+              </a:solidFill>
+              <a:latin typeface="Open Sans" panose="020B0606030504020204" pitchFamily="34" charset="0"/>
+            </a:endParaRPr>
+          </a:p>
+          <a:p>
+            <a:pPr algn="just">
+              <a:lnSpc>
+                <a:spcPct val="150000"/>
+              </a:lnSpc>
+            </a:pPr>
+            <a:r>
+              <a:rPr lang="en-US" sz="1600" b="0" i="0" dirty="0">
+                <a:solidFill>
+                  <a:schemeClr val="bg1"/>
+                </a:solidFill>
+                <a:effectLst/>
+                <a:latin typeface="Open Sans" panose="020B0606030504020204" pitchFamily="34" charset="0"/>
+              </a:rPr>
+              <a:t>// es6 rest parameter</a:t>
+            </a:r>
+          </a:p>
+          <a:p>
+            <a:pPr algn="just">
+              <a:lnSpc>
+                <a:spcPct val="150000"/>
+              </a:lnSpc>
+            </a:pPr>
+            <a:r>
+              <a:rPr lang="en-US" sz="1600" b="0" i="0" dirty="0">
+                <a:solidFill>
+                  <a:schemeClr val="bg1"/>
+                </a:solidFill>
+                <a:effectLst/>
+                <a:latin typeface="Open Sans" panose="020B0606030504020204" pitchFamily="34" charset="0"/>
+              </a:rPr>
+              <a:t>function fun(...input){</a:t>
+            </a:r>
+          </a:p>
+          <a:p>
+            <a:pPr algn="just">
+              <a:lnSpc>
+                <a:spcPct val="150000"/>
+              </a:lnSpc>
+            </a:pPr>
+            <a:r>
+              <a:rPr lang="en-US" sz="1600" b="0" i="0" dirty="0">
+                <a:solidFill>
+                  <a:schemeClr val="bg1"/>
+                </a:solidFill>
+                <a:effectLst/>
+                <a:latin typeface="Open Sans" panose="020B0606030504020204" pitchFamily="34" charset="0"/>
+              </a:rPr>
+              <a:t>let sum = 0;</a:t>
+            </a:r>
+          </a:p>
+          <a:p>
+            <a:pPr algn="just">
+              <a:lnSpc>
+                <a:spcPct val="150000"/>
+              </a:lnSpc>
+            </a:pPr>
+            <a:r>
+              <a:rPr lang="en-US" sz="1600" b="0" i="0" dirty="0">
+                <a:solidFill>
+                  <a:schemeClr val="bg1"/>
+                </a:solidFill>
+                <a:effectLst/>
+                <a:latin typeface="Open Sans" panose="020B0606030504020204" pitchFamily="34" charset="0"/>
+              </a:rPr>
+              <a:t>for(let </a:t>
+            </a:r>
+            <a:r>
+              <a:rPr lang="en-US" sz="1600" b="0" i="0" dirty="0" err="1">
+                <a:solidFill>
+                  <a:schemeClr val="bg1"/>
+                </a:solidFill>
+                <a:effectLst/>
+                <a:latin typeface="Open Sans" panose="020B0606030504020204" pitchFamily="34" charset="0"/>
+              </a:rPr>
+              <a:t>i</a:t>
+            </a:r>
+            <a:r>
+              <a:rPr lang="en-US" sz="1600" b="0" i="0" dirty="0">
+                <a:solidFill>
+                  <a:schemeClr val="bg1"/>
+                </a:solidFill>
+                <a:effectLst/>
+                <a:latin typeface="Open Sans" panose="020B0606030504020204" pitchFamily="34" charset="0"/>
+              </a:rPr>
+              <a:t> of input){</a:t>
+            </a:r>
+          </a:p>
+          <a:p>
+            <a:pPr algn="just">
+              <a:lnSpc>
+                <a:spcPct val="150000"/>
+              </a:lnSpc>
+            </a:pPr>
+            <a:r>
+              <a:rPr lang="en-US" sz="1600" b="0" i="0" dirty="0">
+                <a:solidFill>
+                  <a:schemeClr val="bg1"/>
+                </a:solidFill>
+                <a:effectLst/>
+                <a:latin typeface="Open Sans" panose="020B0606030504020204" pitchFamily="34" charset="0"/>
+              </a:rPr>
+              <a:t>sum+=</a:t>
+            </a:r>
+            <a:r>
+              <a:rPr lang="en-US" sz="1600" b="0" i="0" dirty="0" err="1">
+                <a:solidFill>
+                  <a:schemeClr val="bg1"/>
+                </a:solidFill>
+                <a:effectLst/>
+                <a:latin typeface="Open Sans" panose="020B0606030504020204" pitchFamily="34" charset="0"/>
+              </a:rPr>
+              <a:t>i</a:t>
+            </a:r>
+            <a:r>
+              <a:rPr lang="en-US" sz="1600" b="0" i="0" dirty="0">
+                <a:solidFill>
+                  <a:schemeClr val="bg1"/>
+                </a:solidFill>
+                <a:effectLst/>
+                <a:latin typeface="Open Sans" panose="020B0606030504020204" pitchFamily="34" charset="0"/>
+              </a:rPr>
+              <a:t>;</a:t>
+            </a:r>
+          </a:p>
+          <a:p>
+            <a:pPr algn="just">
+              <a:lnSpc>
+                <a:spcPct val="150000"/>
+              </a:lnSpc>
+            </a:pPr>
+            <a:r>
+              <a:rPr lang="en-US" sz="1600" b="0" i="0" dirty="0">
+                <a:solidFill>
+                  <a:schemeClr val="bg1"/>
+                </a:solidFill>
+                <a:effectLst/>
+                <a:latin typeface="Open Sans" panose="020B0606030504020204" pitchFamily="34" charset="0"/>
+              </a:rPr>
+              <a:t>}</a:t>
+            </a:r>
+          </a:p>
+          <a:p>
+            <a:pPr algn="just">
+              <a:lnSpc>
+                <a:spcPct val="150000"/>
+              </a:lnSpc>
+            </a:pPr>
+            <a:r>
+              <a:rPr lang="en-US" sz="1600" b="0" i="0" dirty="0">
+                <a:solidFill>
+                  <a:schemeClr val="bg1"/>
+                </a:solidFill>
+                <a:effectLst/>
+                <a:latin typeface="Open Sans" panose="020B0606030504020204" pitchFamily="34" charset="0"/>
+              </a:rPr>
+              <a:t>return sum;</a:t>
+            </a:r>
+          </a:p>
+          <a:p>
+            <a:pPr algn="just">
+              <a:lnSpc>
+                <a:spcPct val="150000"/>
+              </a:lnSpc>
+            </a:pPr>
+            <a:r>
+              <a:rPr lang="en-US" sz="1600" b="0" i="0" dirty="0">
+                <a:solidFill>
+                  <a:schemeClr val="bg1"/>
+                </a:solidFill>
+                <a:effectLst/>
+                <a:latin typeface="Open Sans" panose="020B0606030504020204" pitchFamily="34" charset="0"/>
+              </a:rPr>
+              <a:t>}</a:t>
+            </a:r>
+          </a:p>
+          <a:p>
+            <a:pPr algn="just">
+              <a:lnSpc>
+                <a:spcPct val="150000"/>
+              </a:lnSpc>
+            </a:pPr>
+            <a:r>
+              <a:rPr lang="en-US" sz="1600" b="0" i="0" dirty="0">
+                <a:solidFill>
+                  <a:schemeClr val="bg1"/>
+                </a:solidFill>
+                <a:effectLst/>
+                <a:latin typeface="Open Sans" panose="020B0606030504020204" pitchFamily="34" charset="0"/>
+              </a:rPr>
+              <a:t>console.log(fun(1,2)); //3</a:t>
+            </a:r>
+          </a:p>
+          <a:p>
+            <a:pPr algn="just">
+              <a:lnSpc>
+                <a:spcPct val="150000"/>
+              </a:lnSpc>
+            </a:pPr>
+            <a:r>
+              <a:rPr lang="en-US" sz="1600" b="0" i="0" dirty="0">
+                <a:solidFill>
+                  <a:schemeClr val="bg1"/>
+                </a:solidFill>
+                <a:effectLst/>
+                <a:latin typeface="Open Sans" panose="020B0606030504020204" pitchFamily="34" charset="0"/>
+              </a:rPr>
+              <a:t>console.log(fun(1,2,4)); //4</a:t>
+            </a:r>
+          </a:p>
+          <a:p>
+            <a:pPr algn="just">
+              <a:lnSpc>
+                <a:spcPct val="150000"/>
+              </a:lnSpc>
+            </a:pPr>
+            <a:r>
+              <a:rPr lang="en-US" sz="1600" b="0" i="0" dirty="0">
+                <a:solidFill>
+                  <a:schemeClr val="bg1"/>
+                </a:solidFill>
+                <a:effectLst/>
+                <a:latin typeface="Open Sans" panose="020B0606030504020204" pitchFamily="34" charset="0"/>
+              </a:rPr>
+              <a:t>console.log(fun(1,2,4,6)); //13</a:t>
+            </a:r>
+            <a:endParaRPr lang="en-IN" dirty="0">
+              <a:solidFill>
+                <a:schemeClr val="bg1"/>
+              </a:solidFill>
+            </a:endParaRPr>
+          </a:p>
+        </p:txBody>
+      </p:sp>
+    </p:spTree>
+    <p:extLst>
+      <p:ext uri="{BB962C8B-B14F-4D97-AF65-F5344CB8AC3E}">
+        <p14:creationId xmlns:p14="http://schemas.microsoft.com/office/powerpoint/2010/main" val="1595622024"/>
+      </p:ext>
+    </p:extLst>
+  </p:cSld>
+  <p:clrMapOvr>
+    <a:masterClrMapping/>
+  </p:clrMapOvr>
+</p:sld>
+</file>
+
+<file path=ppt/slides/slide14.xml><?xml version="1.0" encoding="utf-8"?>
+<p:sld xmlns:a="http://schemas.openxmlformats.org/drawingml/2006/main" xmlns:r="http://schemas.openxmlformats.org/officeDocument/2006/relationships" xmlns:p="http://schemas.openxmlformats.org/presentationml/2006/main">
+  <p:cSld>
+    <p:spTree>
+      <p:nvGrpSpPr>
+        <p:cNvPr id="1" name=""/>
+        <p:cNvGrpSpPr/>
+        <p:nvPr/>
+      </p:nvGrpSpPr>
+      <p:grpSpPr>
+        <a:xfrm>
+          <a:off x="0" y="0"/>
+          <a:ext cx="0" cy="0"/>
+          <a:chOff x="0" y="0"/>
+          <a:chExt cx="0" cy="0"/>
+        </a:xfrm>
+      </p:grpSpPr>
+      <p:sp>
+        <p:nvSpPr>
+          <p:cNvPr id="4" name="Title 1">
+            <a:extLst>
+              <a:ext uri="{FF2B5EF4-FFF2-40B4-BE49-F238E27FC236}">
+                <a16:creationId xmlns:a16="http://schemas.microsoft.com/office/drawing/2014/main" id="{D5FD72E1-A3C4-34E5-79DF-5988263F325E}"/>
+              </a:ext>
+            </a:extLst>
+          </p:cNvPr>
+          <p:cNvSpPr txBox="1">
+            <a:spLocks/>
+          </p:cNvSpPr>
+          <p:nvPr/>
+        </p:nvSpPr>
+        <p:spPr>
+          <a:xfrm>
+            <a:off x="411573" y="419717"/>
+            <a:ext cx="10515600" cy="835878"/>
+          </a:xfrm>
+          <a:prstGeom prst="rect">
+            <a:avLst/>
+          </a:prstGeom>
+        </p:spPr>
+        <p:txBody>
+          <a:bodyPr/>
+          <a:lstStyle>
+            <a:lvl1pPr algn="l" defTabSz="914400" rtl="0" eaLnBrk="1" latinLnBrk="0" hangingPunct="1">
+              <a:lnSpc>
+                <a:spcPct val="90000"/>
+              </a:lnSpc>
+              <a:spcBef>
+                <a:spcPct val="0"/>
+              </a:spcBef>
+              <a:buNone/>
+              <a:defRPr sz="4400" kern="1200">
+                <a:solidFill>
+                  <a:schemeClr val="tx1"/>
+                </a:solidFill>
+                <a:latin typeface="+mj-lt"/>
+                <a:ea typeface="+mj-ea"/>
+                <a:cs typeface="+mj-cs"/>
+              </a:defRPr>
+            </a:lvl1pPr>
+          </a:lstStyle>
+          <a:p>
+            <a:r>
+              <a:rPr lang="en-US" dirty="0">
+                <a:solidFill>
+                  <a:schemeClr val="bg1"/>
+                </a:solidFill>
+              </a:rPr>
+              <a:t>Spread Operator:</a:t>
+            </a:r>
+            <a:endParaRPr lang="en-IN" dirty="0">
+              <a:solidFill>
+                <a:schemeClr val="bg1"/>
+              </a:solidFill>
+            </a:endParaRPr>
+          </a:p>
+        </p:txBody>
+      </p:sp>
+      <p:sp>
+        <p:nvSpPr>
+          <p:cNvPr id="5" name="TextBox 4">
+            <a:extLst>
+              <a:ext uri="{FF2B5EF4-FFF2-40B4-BE49-F238E27FC236}">
+                <a16:creationId xmlns:a16="http://schemas.microsoft.com/office/drawing/2014/main" id="{578C451A-2667-AF49-9A8C-D075C8D45152}"/>
+              </a:ext>
+            </a:extLst>
+          </p:cNvPr>
+          <p:cNvSpPr txBox="1"/>
+          <p:nvPr/>
+        </p:nvSpPr>
+        <p:spPr>
+          <a:xfrm>
+            <a:off x="535675" y="1255595"/>
+            <a:ext cx="11037626" cy="4023345"/>
+          </a:xfrm>
+          <a:prstGeom prst="rect">
+            <a:avLst/>
+          </a:prstGeom>
+          <a:noFill/>
+        </p:spPr>
+        <p:txBody>
+          <a:bodyPr wrap="square">
+            <a:spAutoFit/>
+          </a:bodyPr>
+          <a:lstStyle/>
+          <a:p>
+            <a:pPr algn="just">
+              <a:lnSpc>
+                <a:spcPct val="150000"/>
+              </a:lnSpc>
+            </a:pPr>
+            <a:r>
+              <a:rPr lang="en-US" sz="2000" b="0" i="0" dirty="0">
+                <a:solidFill>
+                  <a:schemeClr val="bg1"/>
+                </a:solidFill>
+                <a:effectLst/>
+                <a:latin typeface="Open Sans" panose="020B0606030504020204" pitchFamily="34" charset="0"/>
+              </a:rPr>
+              <a:t>Spread operator allows an </a:t>
+            </a:r>
+            <a:r>
+              <a:rPr lang="en-US" sz="2000" b="0" i="0" dirty="0" err="1">
+                <a:solidFill>
+                  <a:schemeClr val="bg1"/>
+                </a:solidFill>
+                <a:effectLst/>
+                <a:latin typeface="Open Sans" panose="020B0606030504020204" pitchFamily="34" charset="0"/>
+              </a:rPr>
+              <a:t>iterable</a:t>
+            </a:r>
+            <a:r>
+              <a:rPr lang="en-US" sz="2000" b="0" i="0" dirty="0">
+                <a:solidFill>
+                  <a:schemeClr val="bg1"/>
+                </a:solidFill>
+                <a:effectLst/>
+                <a:latin typeface="Open Sans" panose="020B0606030504020204" pitchFamily="34" charset="0"/>
+              </a:rPr>
+              <a:t> to expand in places where 0+ arguments are expected. It is mostly used in variable array where there is more than 1 values are expected. It allows us the privilege to obtain a list of parameters from an array.</a:t>
+            </a:r>
+          </a:p>
+          <a:p>
+            <a:pPr algn="just">
+              <a:lnSpc>
+                <a:spcPct val="150000"/>
+              </a:lnSpc>
+            </a:pPr>
+            <a:endParaRPr lang="en-US" sz="1600" dirty="0">
+              <a:solidFill>
+                <a:schemeClr val="bg1"/>
+              </a:solidFill>
+              <a:latin typeface="Open Sans" panose="020B0606030504020204" pitchFamily="34" charset="0"/>
+            </a:endParaRPr>
+          </a:p>
+          <a:p>
+            <a:pPr algn="just">
+              <a:lnSpc>
+                <a:spcPct val="150000"/>
+              </a:lnSpc>
+            </a:pPr>
+            <a:r>
+              <a:rPr lang="en-US" sz="1600" dirty="0">
+                <a:solidFill>
+                  <a:schemeClr val="bg1"/>
+                </a:solidFill>
+                <a:latin typeface="Open Sans" panose="020B0606030504020204" pitchFamily="34" charset="0"/>
+              </a:rPr>
+              <a:t>// spread operator doing the </a:t>
+            </a:r>
+            <a:r>
+              <a:rPr lang="en-US" sz="1600" dirty="0" err="1">
+                <a:solidFill>
+                  <a:schemeClr val="bg1"/>
+                </a:solidFill>
+                <a:latin typeface="Open Sans" panose="020B0606030504020204" pitchFamily="34" charset="0"/>
+              </a:rPr>
+              <a:t>concat</a:t>
+            </a:r>
+            <a:r>
+              <a:rPr lang="en-US" sz="1600" dirty="0">
+                <a:solidFill>
+                  <a:schemeClr val="bg1"/>
+                </a:solidFill>
+                <a:latin typeface="Open Sans" panose="020B0606030504020204" pitchFamily="34" charset="0"/>
+              </a:rPr>
+              <a:t> job</a:t>
+            </a:r>
+          </a:p>
+          <a:p>
+            <a:pPr algn="just">
+              <a:lnSpc>
+                <a:spcPct val="150000"/>
+              </a:lnSpc>
+            </a:pPr>
+            <a:r>
+              <a:rPr lang="en-US" sz="1600" dirty="0">
+                <a:solidFill>
+                  <a:schemeClr val="bg1"/>
+                </a:solidFill>
+                <a:latin typeface="Open Sans" panose="020B0606030504020204" pitchFamily="34" charset="0"/>
+              </a:rPr>
+              <a:t>let </a:t>
+            </a:r>
+            <a:r>
+              <a:rPr lang="en-US" sz="1600" dirty="0" err="1">
+                <a:solidFill>
+                  <a:schemeClr val="bg1"/>
+                </a:solidFill>
+                <a:latin typeface="Open Sans" panose="020B0606030504020204" pitchFamily="34" charset="0"/>
+              </a:rPr>
+              <a:t>arr</a:t>
+            </a:r>
+            <a:r>
+              <a:rPr lang="en-US" sz="1600" dirty="0">
+                <a:solidFill>
+                  <a:schemeClr val="bg1"/>
+                </a:solidFill>
+                <a:latin typeface="Open Sans" panose="020B0606030504020204" pitchFamily="34" charset="0"/>
+              </a:rPr>
+              <a:t> = [1,2,3];</a:t>
+            </a:r>
+          </a:p>
+          <a:p>
+            <a:pPr algn="just">
+              <a:lnSpc>
+                <a:spcPct val="150000"/>
+              </a:lnSpc>
+            </a:pPr>
+            <a:r>
+              <a:rPr lang="en-US" sz="1600" dirty="0">
+                <a:solidFill>
+                  <a:schemeClr val="bg1"/>
+                </a:solidFill>
+                <a:latin typeface="Open Sans" panose="020B0606030504020204" pitchFamily="34" charset="0"/>
+              </a:rPr>
+              <a:t>let arr2 = [4,5,6];</a:t>
+            </a:r>
+          </a:p>
+          <a:p>
+            <a:pPr algn="just">
+              <a:lnSpc>
+                <a:spcPct val="150000"/>
+              </a:lnSpc>
+            </a:pPr>
+            <a:r>
+              <a:rPr lang="en-US" sz="1600" dirty="0">
+                <a:solidFill>
+                  <a:schemeClr val="bg1"/>
+                </a:solidFill>
+                <a:latin typeface="Open Sans" panose="020B0606030504020204" pitchFamily="34" charset="0"/>
+              </a:rPr>
+              <a:t> </a:t>
+            </a:r>
+          </a:p>
+          <a:p>
+            <a:pPr algn="just">
+              <a:lnSpc>
+                <a:spcPct val="150000"/>
+              </a:lnSpc>
+            </a:pPr>
+            <a:r>
+              <a:rPr lang="en-US" sz="1600" dirty="0" err="1">
+                <a:solidFill>
+                  <a:schemeClr val="bg1"/>
+                </a:solidFill>
+                <a:latin typeface="Open Sans" panose="020B0606030504020204" pitchFamily="34" charset="0"/>
+              </a:rPr>
+              <a:t>arr</a:t>
+            </a:r>
+            <a:r>
+              <a:rPr lang="en-US" sz="1600" dirty="0">
+                <a:solidFill>
+                  <a:schemeClr val="bg1"/>
+                </a:solidFill>
+                <a:latin typeface="Open Sans" panose="020B0606030504020204" pitchFamily="34" charset="0"/>
+              </a:rPr>
+              <a:t> = [...</a:t>
+            </a:r>
+            <a:r>
+              <a:rPr lang="en-US" sz="1600" dirty="0" err="1">
+                <a:solidFill>
+                  <a:schemeClr val="bg1"/>
+                </a:solidFill>
+                <a:latin typeface="Open Sans" panose="020B0606030504020204" pitchFamily="34" charset="0"/>
+              </a:rPr>
+              <a:t>arr</a:t>
+            </a:r>
+            <a:r>
+              <a:rPr lang="en-US" sz="1600" dirty="0">
+                <a:solidFill>
+                  <a:schemeClr val="bg1"/>
+                </a:solidFill>
+                <a:latin typeface="Open Sans" panose="020B0606030504020204" pitchFamily="34" charset="0"/>
+              </a:rPr>
+              <a:t>,...arr2];</a:t>
+            </a:r>
+          </a:p>
+          <a:p>
+            <a:pPr algn="just">
+              <a:lnSpc>
+                <a:spcPct val="150000"/>
+              </a:lnSpc>
+            </a:pPr>
+            <a:r>
+              <a:rPr lang="en-US" sz="1600" dirty="0">
+                <a:solidFill>
+                  <a:schemeClr val="bg1"/>
+                </a:solidFill>
+                <a:latin typeface="Open Sans" panose="020B0606030504020204" pitchFamily="34" charset="0"/>
+              </a:rPr>
+              <a:t>console.log(</a:t>
+            </a:r>
+            <a:r>
+              <a:rPr lang="en-US" sz="1600" dirty="0" err="1">
+                <a:solidFill>
+                  <a:schemeClr val="bg1"/>
+                </a:solidFill>
+                <a:latin typeface="Open Sans" panose="020B0606030504020204" pitchFamily="34" charset="0"/>
+              </a:rPr>
+              <a:t>arr</a:t>
+            </a:r>
+            <a:r>
+              <a:rPr lang="en-US" sz="1600" dirty="0">
+                <a:solidFill>
+                  <a:schemeClr val="bg1"/>
+                </a:solidFill>
+                <a:latin typeface="Open Sans" panose="020B0606030504020204" pitchFamily="34" charset="0"/>
+              </a:rPr>
+              <a:t>); // [ 1, 2, 3, 4, 5,6 ]</a:t>
+            </a:r>
+          </a:p>
+        </p:txBody>
+      </p:sp>
+    </p:spTree>
+    <p:extLst>
+      <p:ext uri="{BB962C8B-B14F-4D97-AF65-F5344CB8AC3E}">
+        <p14:creationId xmlns:p14="http://schemas.microsoft.com/office/powerpoint/2010/main" val="1187574562"/>
+      </p:ext>
+    </p:extLst>
+  </p:cSld>
+  <p:clrMapOvr>
+    <a:masterClrMapping/>
+  </p:clrMapOvr>
+</p:sld>
+</file>
+
+<file path=ppt/slides/slide15.xml><?xml version="1.0" encoding="utf-8"?>
 <p:sld xmlns:a="http://schemas.openxmlformats.org/drawingml/2006/main" xmlns:r="http://schemas.openxmlformats.org/officeDocument/2006/relationships" xmlns:p="http://schemas.openxmlformats.org/presentationml/2006/main">
   <p:cSld>
     <p:spTree>

--- a/AdvanceJSandTS/AdvJSandTS.pptx
+++ b/AdvanceJSandTS/AdvJSandTS.pptx
@@ -19,7 +19,9 @@
     <p:sldId id="268" r:id="rId13"/>
     <p:sldId id="269" r:id="rId14"/>
     <p:sldId id="270" r:id="rId15"/>
-    <p:sldId id="262" r:id="rId16"/>
+    <p:sldId id="271" r:id="rId16"/>
+    <p:sldId id="272" r:id="rId17"/>
+    <p:sldId id="262" r:id="rId18"/>
   </p:sldIdLst>
   <p:sldSz cx="12192000" cy="6858000"/>
   <p:notesSz cx="6858000" cy="9144000"/>
@@ -4078,7 +4080,7 @@
         <p:spPr>
           <a:xfrm>
             <a:off x="535675" y="1255595"/>
-            <a:ext cx="11037626" cy="2865528"/>
+            <a:ext cx="11037626" cy="4666021"/>
           </a:xfrm>
           <a:prstGeom prst="rect">
             <a:avLst/>
@@ -4097,7 +4099,7 @@
               </a:lnSpc>
             </a:pPr>
             <a:r>
-              <a:rPr lang="en-US" dirty="0">
+              <a:rPr lang="en-US" sz="2800" dirty="0">
                 <a:solidFill>
                   <a:schemeClr val="bg1">
                     <a:lumMod val="95000"/>
@@ -4114,7 +4116,7 @@
               </a:lnSpc>
             </a:pPr>
             <a:r>
-              <a:rPr lang="en-US" u="sng" dirty="0">
+              <a:rPr lang="en-US" sz="2800" u="sng" dirty="0">
                 <a:solidFill>
                   <a:schemeClr val="bg1">
                     <a:lumMod val="95000"/>
@@ -4131,7 +4133,7 @@
               </a:lnSpc>
             </a:pPr>
             <a:r>
-              <a:rPr lang="en-US" dirty="0">
+              <a:rPr lang="en-US" sz="2800" dirty="0">
                 <a:solidFill>
                   <a:schemeClr val="bg1">
                     <a:lumMod val="95000"/>
@@ -4141,7 +4143,7 @@
               <a:t>let </a:t>
             </a:r>
             <a:r>
-              <a:rPr lang="en-US" dirty="0" err="1">
+              <a:rPr lang="en-US" sz="2800" dirty="0" err="1">
                 <a:solidFill>
                   <a:schemeClr val="bg1">
                     <a:lumMod val="95000"/>
@@ -4151,7 +4153,7 @@
               <a:t>myFunction</a:t>
             </a:r>
             <a:r>
-              <a:rPr lang="en-US" dirty="0">
+              <a:rPr lang="en-US" sz="2800" dirty="0">
                 <a:solidFill>
                   <a:schemeClr val="bg1">
                     <a:lumMod val="95000"/>
@@ -4168,7 +4170,7 @@
               </a:lnSpc>
             </a:pPr>
             <a:r>
-              <a:rPr lang="en-US" dirty="0">
+              <a:rPr lang="en-US" sz="2800" dirty="0">
                 <a:solidFill>
                   <a:schemeClr val="bg1">
                     <a:lumMod val="95000"/>
@@ -4178,7 +4180,7 @@
               </a:rPr>
               <a:t>https://www.w3schools.com/js/js_arrow_function.asp</a:t>
             </a:r>
-            <a:endParaRPr lang="en-US" dirty="0">
+            <a:endParaRPr lang="en-US" sz="2800" dirty="0">
               <a:solidFill>
                 <a:schemeClr val="bg1">
                   <a:lumMod val="95000"/>
@@ -4702,7 +4704,7 @@
         <p:spPr>
           <a:xfrm>
             <a:off x="535675" y="1255595"/>
-            <a:ext cx="11037626" cy="4023345"/>
+            <a:ext cx="11037626" cy="5500673"/>
           </a:xfrm>
           <a:prstGeom prst="rect">
             <a:avLst/>
@@ -4939,6 +4941,55 @@
                 <a:latin typeface="Open Sans" panose="020B0606030504020204" pitchFamily="34" charset="0"/>
               </a:rPr>
               <a:t>); // [ 1, 2, 3, 4, 5,6 ]</a:t>
+            </a:r>
+          </a:p>
+          <a:p>
+            <a:pPr algn="just">
+              <a:lnSpc>
+                <a:spcPct val="150000"/>
+              </a:lnSpc>
+            </a:pPr>
+            <a:r>
+              <a:rPr lang="en-US" sz="1600" dirty="0">
+                <a:solidFill>
+                  <a:schemeClr val="bg1"/>
+                </a:solidFill>
+                <a:latin typeface="Open Sans" panose="020B0606030504020204" pitchFamily="34" charset="0"/>
+                <a:hlinkClick r:id="rId2"/>
+              </a:rPr>
+              <a:t>https://www.w3schools.com/react/react_es6_spread.asp</a:t>
+            </a:r>
+            <a:endParaRPr lang="en-US" sz="1600" dirty="0">
+              <a:solidFill>
+                <a:schemeClr val="bg1"/>
+              </a:solidFill>
+              <a:latin typeface="Open Sans" panose="020B0606030504020204" pitchFamily="34" charset="0"/>
+            </a:endParaRPr>
+          </a:p>
+          <a:p>
+            <a:pPr algn="just">
+              <a:lnSpc>
+                <a:spcPct val="150000"/>
+              </a:lnSpc>
+            </a:pPr>
+            <a:r>
+              <a:rPr lang="en-US" sz="1600" dirty="0">
+                <a:solidFill>
+                  <a:schemeClr val="bg1"/>
+                </a:solidFill>
+                <a:latin typeface="Open Sans" panose="020B0606030504020204" pitchFamily="34" charset="0"/>
+                <a:hlinkClick r:id="rId3"/>
+              </a:rPr>
+              <a:t>https://www.simplilearn.com/ecmascript-vs-javascript-article#:~:text=JavaScript%20implements%20with%20environment%2Dspecific,compatibility%20across%20implementations%20and%20settings</a:t>
+            </a:r>
+            <a:r>
+              <a:rPr lang="en-US" sz="1600" dirty="0">
+                <a:solidFill>
+                  <a:schemeClr val="bg1"/>
+                </a:solidFill>
+                <a:latin typeface="Open Sans" panose="020B0606030504020204" pitchFamily="34" charset="0"/>
+              </a:rPr>
+              <a:t>.</a:t>
             </a:r>
           </a:p>
         </p:txBody>
@@ -4957,6 +5008,824 @@
 </file>
 
 <file path=ppt/slides/slide15.xml><?xml version="1.0" encoding="utf-8"?>
+<p:sld xmlns:a="http://schemas.openxmlformats.org/drawingml/2006/main" xmlns:r="http://schemas.openxmlformats.org/officeDocument/2006/relationships" xmlns:p="http://schemas.openxmlformats.org/presentationml/2006/main">
+  <p:cSld>
+    <p:spTree>
+      <p:nvGrpSpPr>
+        <p:cNvPr id="1" name=""/>
+        <p:cNvGrpSpPr/>
+        <p:nvPr/>
+      </p:nvGrpSpPr>
+      <p:grpSpPr>
+        <a:xfrm>
+          <a:off x="0" y="0"/>
+          <a:ext cx="0" cy="0"/>
+          <a:chOff x="0" y="0"/>
+          <a:chExt cx="0" cy="0"/>
+        </a:xfrm>
+      </p:grpSpPr>
+      <p:sp>
+        <p:nvSpPr>
+          <p:cNvPr id="4" name="Title 1">
+            <a:extLst>
+              <a:ext uri="{FF2B5EF4-FFF2-40B4-BE49-F238E27FC236}">
+                <a16:creationId xmlns:a16="http://schemas.microsoft.com/office/drawing/2014/main" id="{D5FD72E1-A3C4-34E5-79DF-5988263F325E}"/>
+              </a:ext>
+            </a:extLst>
+          </p:cNvPr>
+          <p:cNvSpPr txBox="1">
+            <a:spLocks/>
+          </p:cNvSpPr>
+          <p:nvPr/>
+        </p:nvSpPr>
+        <p:spPr>
+          <a:xfrm>
+            <a:off x="411573" y="419717"/>
+            <a:ext cx="10515600" cy="835878"/>
+          </a:xfrm>
+          <a:prstGeom prst="rect">
+            <a:avLst/>
+          </a:prstGeom>
+        </p:spPr>
+        <p:txBody>
+          <a:bodyPr/>
+          <a:lstStyle>
+            <a:lvl1pPr algn="l" defTabSz="914400" rtl="0" eaLnBrk="1" latinLnBrk="0" hangingPunct="1">
+              <a:lnSpc>
+                <a:spcPct val="90000"/>
+              </a:lnSpc>
+              <a:spcBef>
+                <a:spcPct val="0"/>
+              </a:spcBef>
+              <a:buNone/>
+              <a:defRPr sz="4400" kern="1200">
+                <a:solidFill>
+                  <a:schemeClr val="tx1"/>
+                </a:solidFill>
+                <a:latin typeface="+mj-lt"/>
+                <a:ea typeface="+mj-ea"/>
+                <a:cs typeface="+mj-cs"/>
+              </a:defRPr>
+            </a:lvl1pPr>
+          </a:lstStyle>
+          <a:p>
+            <a:r>
+              <a:rPr lang="en-US" dirty="0">
+                <a:solidFill>
+                  <a:schemeClr val="bg1"/>
+                </a:solidFill>
+              </a:rPr>
+              <a:t>Function Object:</a:t>
+            </a:r>
+            <a:endParaRPr lang="en-IN" dirty="0">
+              <a:solidFill>
+                <a:schemeClr val="bg1"/>
+              </a:solidFill>
+            </a:endParaRPr>
+          </a:p>
+        </p:txBody>
+      </p:sp>
+      <p:sp>
+        <p:nvSpPr>
+          <p:cNvPr id="5" name="TextBox 4">
+            <a:extLst>
+              <a:ext uri="{FF2B5EF4-FFF2-40B4-BE49-F238E27FC236}">
+                <a16:creationId xmlns:a16="http://schemas.microsoft.com/office/drawing/2014/main" id="{578C451A-2667-AF49-9A8C-D075C8D45152}"/>
+              </a:ext>
+            </a:extLst>
+          </p:cNvPr>
+          <p:cNvSpPr txBox="1"/>
+          <p:nvPr/>
+        </p:nvSpPr>
+        <p:spPr>
+          <a:xfrm>
+            <a:off x="535675" y="1255595"/>
+            <a:ext cx="11037626" cy="5100563"/>
+          </a:xfrm>
+          <a:prstGeom prst="rect">
+            <a:avLst/>
+          </a:prstGeom>
+          <a:noFill/>
+        </p:spPr>
+        <p:txBody>
+          <a:bodyPr wrap="square">
+            <a:spAutoFit/>
+          </a:bodyPr>
+          <a:lstStyle/>
+          <a:p>
+            <a:pPr algn="just"/>
+            <a:r>
+              <a:rPr lang="en-US" sz="1600" dirty="0">
+                <a:solidFill>
+                  <a:schemeClr val="bg1"/>
+                </a:solidFill>
+                <a:latin typeface="Open Sans" panose="020B0606030504020204" pitchFamily="34" charset="0"/>
+              </a:rPr>
+              <a:t>In JavaScript, functions are objects. The different properties include:</a:t>
+            </a:r>
+          </a:p>
+          <a:p>
+            <a:pPr algn="just"/>
+            <a:endParaRPr lang="en-US" sz="1600" dirty="0">
+              <a:solidFill>
+                <a:schemeClr val="bg1"/>
+              </a:solidFill>
+              <a:latin typeface="Open Sans" panose="020B0606030504020204" pitchFamily="34" charset="0"/>
+            </a:endParaRPr>
+          </a:p>
+          <a:p>
+            <a:pPr algn="just">
+              <a:buFont typeface="Arial" panose="020B0604020202020204" pitchFamily="34" charset="0"/>
+              <a:buChar char="•"/>
+            </a:pPr>
+            <a:r>
+              <a:rPr lang="en-US" sz="1600" dirty="0">
+                <a:solidFill>
+                  <a:srgbClr val="FF0000"/>
+                </a:solidFill>
+                <a:latin typeface="Open Sans" panose="020B0606030504020204" pitchFamily="34" charset="0"/>
+              </a:rPr>
+              <a:t>name</a:t>
+            </a:r>
+            <a:r>
+              <a:rPr lang="en-US" sz="1600" dirty="0">
+                <a:solidFill>
+                  <a:schemeClr val="bg1"/>
+                </a:solidFill>
+                <a:latin typeface="Open Sans" panose="020B0606030504020204" pitchFamily="34" charset="0"/>
+              </a:rPr>
+              <a:t> – the function name. Usually taken from the function definition, but if there’s none, JavaScript tries to guess it from the context (e.g. an assignment).</a:t>
+            </a:r>
+          </a:p>
+          <a:p>
+            <a:pPr algn="just">
+              <a:buFont typeface="Arial" panose="020B0604020202020204" pitchFamily="34" charset="0"/>
+              <a:buChar char="•"/>
+            </a:pPr>
+            <a:r>
+              <a:rPr lang="en-US" sz="1600" dirty="0">
+                <a:solidFill>
+                  <a:srgbClr val="FF0000"/>
+                </a:solidFill>
+                <a:latin typeface="Open Sans" panose="020B0606030504020204" pitchFamily="34" charset="0"/>
+              </a:rPr>
+              <a:t>length</a:t>
+            </a:r>
+            <a:r>
+              <a:rPr lang="en-US" sz="1600" dirty="0">
+                <a:solidFill>
+                  <a:schemeClr val="bg1"/>
+                </a:solidFill>
+                <a:latin typeface="Open Sans" panose="020B0606030504020204" pitchFamily="34" charset="0"/>
+              </a:rPr>
+              <a:t> – the number of arguments in the function definition. Rest parameters are not counted.</a:t>
+            </a:r>
+          </a:p>
+          <a:p>
+            <a:pPr algn="just"/>
+            <a:r>
+              <a:rPr lang="en-US" sz="1600" dirty="0">
+                <a:solidFill>
+                  <a:schemeClr val="bg1"/>
+                </a:solidFill>
+                <a:latin typeface="Open Sans" panose="020B0606030504020204" pitchFamily="34" charset="0"/>
+              </a:rPr>
+              <a:t>If the function is declared as a Function Expression, and it carries the name, then it is called a Named Function Expression. The name can be used inside to reference itself, for recursive calls or such.</a:t>
+            </a:r>
+          </a:p>
+          <a:p>
+            <a:pPr algn="just">
+              <a:lnSpc>
+                <a:spcPct val="150000"/>
+              </a:lnSpc>
+            </a:pPr>
+            <a:endParaRPr lang="en-US" sz="1600" dirty="0">
+              <a:solidFill>
+                <a:schemeClr val="bg1"/>
+              </a:solidFill>
+              <a:latin typeface="Open Sans" panose="020B0606030504020204" pitchFamily="34" charset="0"/>
+            </a:endParaRPr>
+          </a:p>
+          <a:p>
+            <a:pPr algn="just">
+              <a:lnSpc>
+                <a:spcPct val="150000"/>
+              </a:lnSpc>
+            </a:pPr>
+            <a:r>
+              <a:rPr lang="en-US" sz="1600" dirty="0">
+                <a:solidFill>
+                  <a:schemeClr val="bg1"/>
+                </a:solidFill>
+                <a:latin typeface="Open Sans" panose="020B0606030504020204" pitchFamily="34" charset="0"/>
+              </a:rPr>
+              <a:t>function </a:t>
+            </a:r>
+            <a:r>
+              <a:rPr lang="en-US" sz="1600" dirty="0" err="1">
+                <a:solidFill>
+                  <a:schemeClr val="bg1"/>
+                </a:solidFill>
+                <a:latin typeface="Open Sans" panose="020B0606030504020204" pitchFamily="34" charset="0"/>
+              </a:rPr>
+              <a:t>sayHi</a:t>
+            </a:r>
+            <a:r>
+              <a:rPr lang="en-US" sz="1600" dirty="0">
+                <a:solidFill>
+                  <a:schemeClr val="bg1"/>
+                </a:solidFill>
+                <a:latin typeface="Open Sans" panose="020B0606030504020204" pitchFamily="34" charset="0"/>
+              </a:rPr>
+              <a:t>() {</a:t>
+            </a:r>
+          </a:p>
+          <a:p>
+            <a:pPr algn="just">
+              <a:lnSpc>
+                <a:spcPct val="150000"/>
+              </a:lnSpc>
+            </a:pPr>
+            <a:r>
+              <a:rPr lang="en-US" sz="1600" dirty="0">
+                <a:solidFill>
+                  <a:schemeClr val="bg1"/>
+                </a:solidFill>
+                <a:latin typeface="Open Sans" panose="020B0606030504020204" pitchFamily="34" charset="0"/>
+              </a:rPr>
+              <a:t>alert("Hi");</a:t>
+            </a:r>
+          </a:p>
+          <a:p>
+            <a:pPr algn="just">
+              <a:lnSpc>
+                <a:spcPct val="150000"/>
+              </a:lnSpc>
+            </a:pPr>
+            <a:r>
+              <a:rPr lang="en-US" sz="1600" dirty="0">
+                <a:solidFill>
+                  <a:schemeClr val="bg1"/>
+                </a:solidFill>
+                <a:latin typeface="Open Sans" panose="020B0606030504020204" pitchFamily="34" charset="0"/>
+              </a:rPr>
+              <a:t>}</a:t>
+            </a:r>
+          </a:p>
+          <a:p>
+            <a:pPr algn="just">
+              <a:lnSpc>
+                <a:spcPct val="150000"/>
+              </a:lnSpc>
+            </a:pPr>
+            <a:r>
+              <a:rPr lang="en-US" sz="1600" dirty="0">
+                <a:solidFill>
+                  <a:schemeClr val="bg1"/>
+                </a:solidFill>
+                <a:latin typeface="Open Sans" panose="020B0606030504020204" pitchFamily="34" charset="0"/>
+              </a:rPr>
+              <a:t> alert(sayHi.name); // </a:t>
+            </a:r>
+            <a:r>
+              <a:rPr lang="en-US" sz="1600" dirty="0" err="1">
+                <a:solidFill>
+                  <a:schemeClr val="bg1"/>
+                </a:solidFill>
+                <a:latin typeface="Open Sans" panose="020B0606030504020204" pitchFamily="34" charset="0"/>
+              </a:rPr>
+              <a:t>sayHi</a:t>
+            </a:r>
+            <a:endParaRPr lang="en-US" sz="1600" dirty="0">
+              <a:solidFill>
+                <a:schemeClr val="bg1"/>
+              </a:solidFill>
+              <a:latin typeface="Open Sans" panose="020B0606030504020204" pitchFamily="34" charset="0"/>
+            </a:endParaRPr>
+          </a:p>
+          <a:p>
+            <a:pPr algn="just">
+              <a:lnSpc>
+                <a:spcPct val="150000"/>
+              </a:lnSpc>
+            </a:pPr>
+            <a:r>
+              <a:rPr lang="en-US" sz="1600" dirty="0">
+                <a:solidFill>
+                  <a:schemeClr val="bg1"/>
+                </a:solidFill>
+                <a:latin typeface="Open Sans" panose="020B0606030504020204" pitchFamily="34" charset="0"/>
+              </a:rPr>
+              <a:t>function f2(a, b) {}</a:t>
+            </a:r>
+          </a:p>
+          <a:p>
+            <a:pPr algn="just">
+              <a:lnSpc>
+                <a:spcPct val="150000"/>
+              </a:lnSpc>
+            </a:pPr>
+            <a:r>
+              <a:rPr lang="en-US" sz="1600" dirty="0">
+                <a:solidFill>
+                  <a:schemeClr val="bg1"/>
+                </a:solidFill>
+                <a:latin typeface="Open Sans" panose="020B0606030504020204" pitchFamily="34" charset="0"/>
+              </a:rPr>
+              <a:t>function many(a, b, ...more) {}</a:t>
+            </a:r>
+          </a:p>
+          <a:p>
+            <a:pPr algn="just">
+              <a:lnSpc>
+                <a:spcPct val="150000"/>
+              </a:lnSpc>
+            </a:pPr>
+            <a:r>
+              <a:rPr lang="en-US" sz="1600" dirty="0">
+                <a:solidFill>
+                  <a:schemeClr val="bg1"/>
+                </a:solidFill>
+                <a:latin typeface="Open Sans" panose="020B0606030504020204" pitchFamily="34" charset="0"/>
+              </a:rPr>
+              <a:t>alert(f2.length); // 2</a:t>
+            </a:r>
+          </a:p>
+          <a:p>
+            <a:pPr algn="just">
+              <a:lnSpc>
+                <a:spcPct val="150000"/>
+              </a:lnSpc>
+            </a:pPr>
+            <a:r>
+              <a:rPr lang="en-US" sz="1600" dirty="0">
+                <a:solidFill>
+                  <a:schemeClr val="bg1"/>
+                </a:solidFill>
+                <a:latin typeface="Open Sans" panose="020B0606030504020204" pitchFamily="34" charset="0"/>
+              </a:rPr>
+              <a:t>alert(</a:t>
+            </a:r>
+            <a:r>
+              <a:rPr lang="en-US" sz="1600" dirty="0" err="1">
+                <a:solidFill>
+                  <a:schemeClr val="bg1"/>
+                </a:solidFill>
+                <a:latin typeface="Open Sans" panose="020B0606030504020204" pitchFamily="34" charset="0"/>
+              </a:rPr>
+              <a:t>many.length</a:t>
+            </a:r>
+            <a:r>
+              <a:rPr lang="en-US" sz="1600" dirty="0">
+                <a:solidFill>
+                  <a:schemeClr val="bg1"/>
+                </a:solidFill>
+                <a:latin typeface="Open Sans" panose="020B0606030504020204" pitchFamily="34" charset="0"/>
+              </a:rPr>
+              <a:t>); // 2</a:t>
+            </a:r>
+          </a:p>
+        </p:txBody>
+      </p:sp>
+    </p:spTree>
+    <p:extLst>
+      <p:ext uri="{BB962C8B-B14F-4D97-AF65-F5344CB8AC3E}">
+        <p14:creationId xmlns:p14="http://schemas.microsoft.com/office/powerpoint/2010/main" val="1006345086"/>
+      </p:ext>
+    </p:extLst>
+  </p:cSld>
+  <p:clrMapOvr>
+    <a:masterClrMapping/>
+  </p:clrMapOvr>
+</p:sld>
+</file>
+
+<file path=ppt/slides/slide16.xml><?xml version="1.0" encoding="utf-8"?>
+<p:sld xmlns:a="http://schemas.openxmlformats.org/drawingml/2006/main" xmlns:r="http://schemas.openxmlformats.org/officeDocument/2006/relationships" xmlns:p="http://schemas.openxmlformats.org/presentationml/2006/main">
+  <p:cSld>
+    <p:spTree>
+      <p:nvGrpSpPr>
+        <p:cNvPr id="1" name=""/>
+        <p:cNvGrpSpPr/>
+        <p:nvPr/>
+      </p:nvGrpSpPr>
+      <p:grpSpPr>
+        <a:xfrm>
+          <a:off x="0" y="0"/>
+          <a:ext cx="0" cy="0"/>
+          <a:chOff x="0" y="0"/>
+          <a:chExt cx="0" cy="0"/>
+        </a:xfrm>
+      </p:grpSpPr>
+      <p:sp>
+        <p:nvSpPr>
+          <p:cNvPr id="4" name="Title 1">
+            <a:extLst>
+              <a:ext uri="{FF2B5EF4-FFF2-40B4-BE49-F238E27FC236}">
+                <a16:creationId xmlns:a16="http://schemas.microsoft.com/office/drawing/2014/main" id="{D5FD72E1-A3C4-34E5-79DF-5988263F325E}"/>
+              </a:ext>
+            </a:extLst>
+          </p:cNvPr>
+          <p:cNvSpPr txBox="1">
+            <a:spLocks/>
+          </p:cNvSpPr>
+          <p:nvPr/>
+        </p:nvSpPr>
+        <p:spPr>
+          <a:xfrm>
+            <a:off x="411573" y="419717"/>
+            <a:ext cx="10515600" cy="835878"/>
+          </a:xfrm>
+          <a:prstGeom prst="rect">
+            <a:avLst/>
+          </a:prstGeom>
+        </p:spPr>
+        <p:txBody>
+          <a:bodyPr/>
+          <a:lstStyle>
+            <a:lvl1pPr algn="l" defTabSz="914400" rtl="0" eaLnBrk="1" latinLnBrk="0" hangingPunct="1">
+              <a:lnSpc>
+                <a:spcPct val="90000"/>
+              </a:lnSpc>
+              <a:spcBef>
+                <a:spcPct val="0"/>
+              </a:spcBef>
+              <a:buNone/>
+              <a:defRPr sz="4400" kern="1200">
+                <a:solidFill>
+                  <a:schemeClr val="tx1"/>
+                </a:solidFill>
+                <a:latin typeface="+mj-lt"/>
+                <a:ea typeface="+mj-ea"/>
+                <a:cs typeface="+mj-cs"/>
+              </a:defRPr>
+            </a:lvl1pPr>
+          </a:lstStyle>
+          <a:p>
+            <a:r>
+              <a:rPr lang="en-US" dirty="0">
+                <a:solidFill>
+                  <a:schemeClr val="bg1"/>
+                </a:solidFill>
+              </a:rPr>
+              <a:t>Prototype in </a:t>
+            </a:r>
+            <a:r>
+              <a:rPr lang="en-US" dirty="0" err="1">
+                <a:solidFill>
+                  <a:schemeClr val="bg1"/>
+                </a:solidFill>
+              </a:rPr>
+              <a:t>Javascript</a:t>
+            </a:r>
+            <a:r>
+              <a:rPr lang="en-US" dirty="0">
+                <a:solidFill>
+                  <a:schemeClr val="bg1"/>
+                </a:solidFill>
+              </a:rPr>
+              <a:t>:</a:t>
+            </a:r>
+            <a:endParaRPr lang="en-IN" dirty="0">
+              <a:solidFill>
+                <a:schemeClr val="bg1"/>
+              </a:solidFill>
+            </a:endParaRPr>
+          </a:p>
+        </p:txBody>
+      </p:sp>
+      <p:sp>
+        <p:nvSpPr>
+          <p:cNvPr id="5" name="TextBox 4">
+            <a:extLst>
+              <a:ext uri="{FF2B5EF4-FFF2-40B4-BE49-F238E27FC236}">
+                <a16:creationId xmlns:a16="http://schemas.microsoft.com/office/drawing/2014/main" id="{578C451A-2667-AF49-9A8C-D075C8D45152}"/>
+              </a:ext>
+            </a:extLst>
+          </p:cNvPr>
+          <p:cNvSpPr txBox="1"/>
+          <p:nvPr/>
+        </p:nvSpPr>
+        <p:spPr>
+          <a:xfrm>
+            <a:off x="535675" y="1255595"/>
+            <a:ext cx="11037626" cy="4770537"/>
+          </a:xfrm>
+          <a:prstGeom prst="rect">
+            <a:avLst/>
+          </a:prstGeom>
+          <a:noFill/>
+        </p:spPr>
+        <p:txBody>
+          <a:bodyPr wrap="square">
+            <a:spAutoFit/>
+          </a:bodyPr>
+          <a:lstStyle/>
+          <a:p>
+            <a:pPr algn="just"/>
+            <a:r>
+              <a:rPr lang="en-US" sz="1600" dirty="0">
+                <a:solidFill>
+                  <a:schemeClr val="bg1"/>
+                </a:solidFill>
+                <a:latin typeface="Open Sans" panose="020B0606030504020204" pitchFamily="34" charset="0"/>
+              </a:rPr>
+              <a:t>JavaScript is a prototype-based, automatically adds a prototype property to functions upon creation. This prototype object allows attaching methods and properties, facilitating inheritance for all objects created from the function.</a:t>
+            </a:r>
+          </a:p>
+          <a:p>
+            <a:pPr algn="just"/>
+            <a:endParaRPr lang="en-US" sz="1600" dirty="0">
+              <a:solidFill>
+                <a:schemeClr val="bg1"/>
+              </a:solidFill>
+              <a:latin typeface="Open Sans" panose="020B0606030504020204" pitchFamily="34" charset="0"/>
+            </a:endParaRPr>
+          </a:p>
+          <a:p>
+            <a:pPr algn="just"/>
+            <a:endParaRPr lang="en-US" sz="1600" dirty="0">
+              <a:solidFill>
+                <a:schemeClr val="bg1"/>
+              </a:solidFill>
+              <a:latin typeface="Open Sans" panose="020B0606030504020204" pitchFamily="34" charset="0"/>
+            </a:endParaRPr>
+          </a:p>
+          <a:p>
+            <a:pPr algn="just"/>
+            <a:r>
+              <a:rPr lang="en-US" sz="1600" dirty="0">
+                <a:solidFill>
+                  <a:schemeClr val="bg1"/>
+                </a:solidFill>
+                <a:latin typeface="Open Sans" panose="020B0606030504020204" pitchFamily="34" charset="0"/>
+              </a:rPr>
+              <a:t>// function constructor</a:t>
+            </a:r>
+          </a:p>
+          <a:p>
+            <a:pPr algn="just"/>
+            <a:r>
+              <a:rPr lang="en-US" sz="1600" dirty="0">
+                <a:solidFill>
+                  <a:schemeClr val="bg1"/>
+                </a:solidFill>
+                <a:latin typeface="Open Sans" panose="020B0606030504020204" pitchFamily="34" charset="0"/>
+              </a:rPr>
+              <a:t>function Person(name, job, </a:t>
+            </a:r>
+            <a:r>
+              <a:rPr lang="en-US" sz="1600" dirty="0" err="1">
+                <a:solidFill>
+                  <a:schemeClr val="bg1"/>
+                </a:solidFill>
+                <a:latin typeface="Open Sans" panose="020B0606030504020204" pitchFamily="34" charset="0"/>
+              </a:rPr>
+              <a:t>yearOfBirth</a:t>
+            </a:r>
+            <a:r>
+              <a:rPr lang="en-US" sz="1600" dirty="0">
+                <a:solidFill>
+                  <a:schemeClr val="bg1"/>
+                </a:solidFill>
+                <a:latin typeface="Open Sans" panose="020B0606030504020204" pitchFamily="34" charset="0"/>
+              </a:rPr>
+              <a:t>){   </a:t>
+            </a:r>
+          </a:p>
+          <a:p>
+            <a:pPr algn="just"/>
+            <a:r>
+              <a:rPr lang="en-US" sz="1600" dirty="0">
+                <a:solidFill>
+                  <a:schemeClr val="bg1"/>
+                </a:solidFill>
+                <a:latin typeface="Open Sans" panose="020B0606030504020204" pitchFamily="34" charset="0"/>
+              </a:rPr>
+              <a:t>    this.name= name;</a:t>
+            </a:r>
+          </a:p>
+          <a:p>
+            <a:pPr algn="just"/>
+            <a:r>
+              <a:rPr lang="en-US" sz="1600" dirty="0">
+                <a:solidFill>
+                  <a:schemeClr val="bg1"/>
+                </a:solidFill>
+                <a:latin typeface="Open Sans" panose="020B0606030504020204" pitchFamily="34" charset="0"/>
+              </a:rPr>
+              <a:t>    </a:t>
+            </a:r>
+            <a:r>
+              <a:rPr lang="en-US" sz="1600" dirty="0" err="1">
+                <a:solidFill>
+                  <a:schemeClr val="bg1"/>
+                </a:solidFill>
+                <a:latin typeface="Open Sans" panose="020B0606030504020204" pitchFamily="34" charset="0"/>
+              </a:rPr>
+              <a:t>this.job</a:t>
+            </a:r>
+            <a:r>
+              <a:rPr lang="en-US" sz="1600" dirty="0">
+                <a:solidFill>
+                  <a:schemeClr val="bg1"/>
+                </a:solidFill>
+                <a:latin typeface="Open Sans" panose="020B0606030504020204" pitchFamily="34" charset="0"/>
+              </a:rPr>
+              <a:t>= job;</a:t>
+            </a:r>
+          </a:p>
+          <a:p>
+            <a:pPr algn="just"/>
+            <a:r>
+              <a:rPr lang="en-US" sz="1600" dirty="0">
+                <a:solidFill>
+                  <a:schemeClr val="bg1"/>
+                </a:solidFill>
+                <a:latin typeface="Open Sans" panose="020B0606030504020204" pitchFamily="34" charset="0"/>
+              </a:rPr>
+              <a:t>    </a:t>
+            </a:r>
+            <a:r>
+              <a:rPr lang="en-US" sz="1600" dirty="0" err="1">
+                <a:solidFill>
+                  <a:schemeClr val="bg1"/>
+                </a:solidFill>
+                <a:latin typeface="Open Sans" panose="020B0606030504020204" pitchFamily="34" charset="0"/>
+              </a:rPr>
+              <a:t>this.yearOfBirth</a:t>
+            </a:r>
+            <a:r>
+              <a:rPr lang="en-US" sz="1600" dirty="0">
+                <a:solidFill>
+                  <a:schemeClr val="bg1"/>
+                </a:solidFill>
+                <a:latin typeface="Open Sans" panose="020B0606030504020204" pitchFamily="34" charset="0"/>
+              </a:rPr>
+              <a:t>= </a:t>
+            </a:r>
+            <a:r>
+              <a:rPr lang="en-US" sz="1600" dirty="0" err="1">
+                <a:solidFill>
+                  <a:schemeClr val="bg1"/>
+                </a:solidFill>
+                <a:latin typeface="Open Sans" panose="020B0606030504020204" pitchFamily="34" charset="0"/>
+              </a:rPr>
+              <a:t>yearOfBirth</a:t>
+            </a:r>
+            <a:r>
+              <a:rPr lang="en-US" sz="1600" dirty="0">
+                <a:solidFill>
+                  <a:schemeClr val="bg1"/>
+                </a:solidFill>
+                <a:latin typeface="Open Sans" panose="020B0606030504020204" pitchFamily="34" charset="0"/>
+              </a:rPr>
+              <a:t>;</a:t>
+            </a:r>
+          </a:p>
+          <a:p>
+            <a:pPr algn="just"/>
+            <a:r>
+              <a:rPr lang="en-US" sz="1600" dirty="0">
+                <a:solidFill>
+                  <a:schemeClr val="bg1"/>
+                </a:solidFill>
+                <a:latin typeface="Open Sans" panose="020B0606030504020204" pitchFamily="34" charset="0"/>
+              </a:rPr>
+              <a:t>}</a:t>
+            </a:r>
+          </a:p>
+          <a:p>
+            <a:pPr algn="just"/>
+            <a:r>
+              <a:rPr lang="en-US" sz="1600" dirty="0">
+                <a:solidFill>
+                  <a:schemeClr val="bg1"/>
+                </a:solidFill>
+                <a:latin typeface="Open Sans" panose="020B0606030504020204" pitchFamily="34" charset="0"/>
+              </a:rPr>
+              <a:t>// this will show Person's prototype property.</a:t>
+            </a:r>
+          </a:p>
+          <a:p>
+            <a:pPr algn="just"/>
+            <a:r>
+              <a:rPr lang="en-US" sz="1600" dirty="0">
+                <a:solidFill>
+                  <a:schemeClr val="bg1"/>
+                </a:solidFill>
+                <a:latin typeface="Open Sans" panose="020B0606030504020204" pitchFamily="34" charset="0"/>
+              </a:rPr>
+              <a:t>console.log(</a:t>
+            </a:r>
+            <a:r>
+              <a:rPr lang="en-US" sz="1600" dirty="0" err="1">
+                <a:solidFill>
+                  <a:schemeClr val="bg1"/>
+                </a:solidFill>
+                <a:latin typeface="Open Sans" panose="020B0606030504020204" pitchFamily="34" charset="0"/>
+              </a:rPr>
+              <a:t>Person.prototype</a:t>
+            </a:r>
+            <a:r>
+              <a:rPr lang="en-US" sz="1600" dirty="0">
+                <a:solidFill>
+                  <a:schemeClr val="bg1"/>
+                </a:solidFill>
+                <a:latin typeface="Open Sans" panose="020B0606030504020204" pitchFamily="34" charset="0"/>
+              </a:rPr>
+              <a:t>);</a:t>
+            </a:r>
+          </a:p>
+          <a:p>
+            <a:pPr algn="just"/>
+            <a:endParaRPr lang="en-US" sz="1600" dirty="0">
+              <a:solidFill>
+                <a:schemeClr val="bg1"/>
+              </a:solidFill>
+              <a:latin typeface="Open Sans" panose="020B0606030504020204" pitchFamily="34" charset="0"/>
+            </a:endParaRPr>
+          </a:p>
+          <a:p>
+            <a:pPr algn="just"/>
+            <a:endParaRPr lang="en-US" sz="1600" dirty="0">
+              <a:solidFill>
+                <a:schemeClr val="bg1"/>
+              </a:solidFill>
+              <a:latin typeface="Open Sans" panose="020B0606030504020204" pitchFamily="34" charset="0"/>
+            </a:endParaRPr>
+          </a:p>
+          <a:p>
+            <a:pPr algn="just"/>
+            <a:endParaRPr lang="en-US" sz="1600" dirty="0">
+              <a:solidFill>
+                <a:schemeClr val="bg1"/>
+              </a:solidFill>
+              <a:latin typeface="Open Sans" panose="020B0606030504020204" pitchFamily="34" charset="0"/>
+            </a:endParaRPr>
+          </a:p>
+          <a:p>
+            <a:pPr algn="just"/>
+            <a:endParaRPr lang="en-US" sz="1600" dirty="0">
+              <a:solidFill>
+                <a:schemeClr val="bg1"/>
+              </a:solidFill>
+              <a:latin typeface="Open Sans" panose="020B0606030504020204" pitchFamily="34" charset="0"/>
+            </a:endParaRPr>
+          </a:p>
+          <a:p>
+            <a:pPr algn="just"/>
+            <a:endParaRPr lang="en-US" sz="1600" dirty="0">
+              <a:solidFill>
+                <a:schemeClr val="bg1"/>
+              </a:solidFill>
+              <a:latin typeface="Open Sans" panose="020B0606030504020204" pitchFamily="34" charset="0"/>
+            </a:endParaRPr>
+          </a:p>
+          <a:p>
+            <a:pPr algn="just"/>
+            <a:r>
+              <a:rPr lang="en-US" sz="1600" dirty="0">
+                <a:solidFill>
+                  <a:schemeClr val="bg1"/>
+                </a:solidFill>
+                <a:latin typeface="Open Sans" panose="020B0606030504020204" pitchFamily="34" charset="0"/>
+                <a:hlinkClick r:id="rId2"/>
+              </a:rPr>
+              <a:t>https://www.w3schools.com/js/js_object_prototypes.asp</a:t>
+            </a:r>
+            <a:endParaRPr lang="en-US" sz="1600" dirty="0">
+              <a:solidFill>
+                <a:schemeClr val="bg1"/>
+              </a:solidFill>
+              <a:latin typeface="Open Sans" panose="020B0606030504020204" pitchFamily="34" charset="0"/>
+            </a:endParaRPr>
+          </a:p>
+          <a:p>
+            <a:pPr algn="just"/>
+            <a:endParaRPr lang="en-US" sz="1600" dirty="0">
+              <a:solidFill>
+                <a:schemeClr val="bg1"/>
+              </a:solidFill>
+              <a:latin typeface="Open Sans" panose="020B0606030504020204" pitchFamily="34" charset="0"/>
+            </a:endParaRPr>
+          </a:p>
+        </p:txBody>
+      </p:sp>
+    </p:spTree>
+    <p:extLst>
+      <p:ext uri="{BB962C8B-B14F-4D97-AF65-F5344CB8AC3E}">
+        <p14:creationId xmlns:p14="http://schemas.microsoft.com/office/powerpoint/2010/main" val="2259349707"/>
+      </p:ext>
+    </p:extLst>
+  </p:cSld>
+  <p:clrMapOvr>
+    <a:masterClrMapping/>
+  </p:clrMapOvr>
+</p:sld>
+</file>
+
+<file path=ppt/slides/slide17.xml><?xml version="1.0" encoding="utf-8"?>
 <p:sld xmlns:a="http://schemas.openxmlformats.org/drawingml/2006/main" xmlns:r="http://schemas.openxmlformats.org/officeDocument/2006/relationships" xmlns:p="http://schemas.openxmlformats.org/presentationml/2006/main">
   <p:cSld>
     <p:spTree>
@@ -6925,7 +7794,7 @@
         <p:spPr>
           <a:xfrm>
             <a:off x="535675" y="1255595"/>
-            <a:ext cx="11037626" cy="2246769"/>
+            <a:ext cx="11037626" cy="2554545"/>
           </a:xfrm>
           <a:prstGeom prst="rect">
             <a:avLst/>
@@ -7040,6 +7909,21 @@
                 <a:sym typeface="Wingdings" panose="05000000000000000000" pitchFamily="2" charset="2"/>
               </a:rPr>
               <a:t>Function Binding</a:t>
+            </a:r>
+          </a:p>
+          <a:p>
+            <a:pPr marL="285750" indent="-285750">
+              <a:buFont typeface="Wingdings" panose="05000000000000000000" pitchFamily="2" charset="2"/>
+              <a:buChar char="à"/>
+            </a:pPr>
+            <a:r>
+              <a:rPr lang="en-US" sz="2000" dirty="0">
+                <a:solidFill>
+                  <a:schemeClr val="bg1"/>
+                </a:solidFill>
+                <a:sym typeface="Wingdings" panose="05000000000000000000" pitchFamily="2" charset="2"/>
+              </a:rPr>
+              <a:t>Prototype</a:t>
             </a:r>
             <a:endParaRPr lang="en-IN" sz="2000" dirty="0">
               <a:solidFill>

--- a/AdvanceJSandTS/AdvJSandTS.pptx
+++ b/AdvanceJSandTS/AdvJSandTS.pptx
@@ -277,7 +277,7 @@
           <a:p>
             <a:fld id="{2812EBBD-4D8F-4847-9848-F8AE3324A613}" type="datetimeFigureOut">
               <a:rPr lang="en-IN" smtClean="0"/>
-              <a:t>18-07-2024</a:t>
+              <a:t>19-07-2024</a:t>
             </a:fld>
             <a:endParaRPr lang="en-IN"/>
           </a:p>
@@ -477,7 +477,7 @@
           <a:p>
             <a:fld id="{2812EBBD-4D8F-4847-9848-F8AE3324A613}" type="datetimeFigureOut">
               <a:rPr lang="en-IN" smtClean="0"/>
-              <a:t>18-07-2024</a:t>
+              <a:t>19-07-2024</a:t>
             </a:fld>
             <a:endParaRPr lang="en-IN"/>
           </a:p>
@@ -687,7 +687,7 @@
           <a:p>
             <a:fld id="{2812EBBD-4D8F-4847-9848-F8AE3324A613}" type="datetimeFigureOut">
               <a:rPr lang="en-IN" smtClean="0"/>
-              <a:t>18-07-2024</a:t>
+              <a:t>19-07-2024</a:t>
             </a:fld>
             <a:endParaRPr lang="en-IN"/>
           </a:p>
@@ -887,7 +887,7 @@
           <a:p>
             <a:fld id="{2812EBBD-4D8F-4847-9848-F8AE3324A613}" type="datetimeFigureOut">
               <a:rPr lang="en-IN" smtClean="0"/>
-              <a:t>18-07-2024</a:t>
+              <a:t>19-07-2024</a:t>
             </a:fld>
             <a:endParaRPr lang="en-IN"/>
           </a:p>
@@ -1163,7 +1163,7 @@
           <a:p>
             <a:fld id="{2812EBBD-4D8F-4847-9848-F8AE3324A613}" type="datetimeFigureOut">
               <a:rPr lang="en-IN" smtClean="0"/>
-              <a:t>18-07-2024</a:t>
+              <a:t>19-07-2024</a:t>
             </a:fld>
             <a:endParaRPr lang="en-IN"/>
           </a:p>
@@ -1431,7 +1431,7 @@
           <a:p>
             <a:fld id="{2812EBBD-4D8F-4847-9848-F8AE3324A613}" type="datetimeFigureOut">
               <a:rPr lang="en-IN" smtClean="0"/>
-              <a:t>18-07-2024</a:t>
+              <a:t>19-07-2024</a:t>
             </a:fld>
             <a:endParaRPr lang="en-IN"/>
           </a:p>
@@ -1846,7 +1846,7 @@
           <a:p>
             <a:fld id="{2812EBBD-4D8F-4847-9848-F8AE3324A613}" type="datetimeFigureOut">
               <a:rPr lang="en-IN" smtClean="0"/>
-              <a:t>18-07-2024</a:t>
+              <a:t>19-07-2024</a:t>
             </a:fld>
             <a:endParaRPr lang="en-IN"/>
           </a:p>
@@ -1988,7 +1988,7 @@
           <a:p>
             <a:fld id="{2812EBBD-4D8F-4847-9848-F8AE3324A613}" type="datetimeFigureOut">
               <a:rPr lang="en-IN" smtClean="0"/>
-              <a:t>18-07-2024</a:t>
+              <a:t>19-07-2024</a:t>
             </a:fld>
             <a:endParaRPr lang="en-IN"/>
           </a:p>
@@ -2101,7 +2101,7 @@
           <a:p>
             <a:fld id="{2812EBBD-4D8F-4847-9848-F8AE3324A613}" type="datetimeFigureOut">
               <a:rPr lang="en-IN" smtClean="0"/>
-              <a:t>18-07-2024</a:t>
+              <a:t>19-07-2024</a:t>
             </a:fld>
             <a:endParaRPr lang="en-IN"/>
           </a:p>
@@ -2414,7 +2414,7 @@
           <a:p>
             <a:fld id="{2812EBBD-4D8F-4847-9848-F8AE3324A613}" type="datetimeFigureOut">
               <a:rPr lang="en-IN" smtClean="0"/>
-              <a:t>18-07-2024</a:t>
+              <a:t>19-07-2024</a:t>
             </a:fld>
             <a:endParaRPr lang="en-IN"/>
           </a:p>
@@ -2703,7 +2703,7 @@
           <a:p>
             <a:fld id="{2812EBBD-4D8F-4847-9848-F8AE3324A613}" type="datetimeFigureOut">
               <a:rPr lang="en-IN" smtClean="0"/>
-              <a:t>18-07-2024</a:t>
+              <a:t>19-07-2024</a:t>
             </a:fld>
             <a:endParaRPr lang="en-IN"/>
           </a:p>
@@ -2960,7 +2960,7 @@
           <a:p>
             <a:fld id="{2812EBBD-4D8F-4847-9848-F8AE3324A613}" type="datetimeFigureOut">
               <a:rPr lang="en-IN" smtClean="0"/>
-              <a:t>18-07-2024</a:t>
+              <a:t>19-07-2024</a:t>
             </a:fld>
             <a:endParaRPr lang="en-IN"/>
           </a:p>
@@ -4395,7 +4395,7 @@
                 <a:effectLst/>
                 <a:latin typeface="Open Sans" panose="020B0606030504020204" pitchFamily="34" charset="0"/>
               </a:rPr>
-              <a:t>function fun(...input){</a:t>
+              <a:t>function fun(...data){</a:t>
             </a:r>
           </a:p>
           <a:p>
@@ -4449,7 +4449,7 @@
                 <a:effectLst/>
                 <a:latin typeface="Open Sans" panose="020B0606030504020204" pitchFamily="34" charset="0"/>
               </a:rPr>
-              <a:t> of input){</a:t>
+              <a:t> of data){</a:t>
             </a:r>
           </a:p>
           <a:p>
@@ -4740,7 +4740,7 @@
                 <a:effectLst/>
                 <a:latin typeface="Open Sans" panose="020B0606030504020204" pitchFamily="34" charset="0"/>
               </a:rPr>
-              <a:t>iterable</a:t>
+              <a:t>iteretable</a:t>
             </a:r>
             <a:r>
               <a:rPr lang="en-US" sz="2000" b="0" i="0" dirty="0">
@@ -5509,7 +5509,7 @@
         <p:spPr>
           <a:xfrm>
             <a:off x="535675" y="1255595"/>
-            <a:ext cx="11037626" cy="4770537"/>
+            <a:ext cx="11037626" cy="5262979"/>
           </a:xfrm>
           <a:prstGeom prst="rect">
             <a:avLst/>
@@ -5735,6 +5735,36 @@
                 <a:latin typeface="Open Sans" panose="020B0606030504020204" pitchFamily="34" charset="0"/>
               </a:rPr>
               <a:t>);</a:t>
+            </a:r>
+          </a:p>
+          <a:p>
+            <a:pPr algn="just"/>
+            <a:endParaRPr lang="en-US" sz="1600" dirty="0">
+              <a:solidFill>
+                <a:schemeClr val="bg1"/>
+              </a:solidFill>
+              <a:latin typeface="Open Sans" panose="020B0606030504020204" pitchFamily="34" charset="0"/>
+            </a:endParaRPr>
+          </a:p>
+          <a:p>
+            <a:pPr algn="just"/>
+            <a:r>
+              <a:rPr lang="en-US" sz="1600" dirty="0" err="1">
+                <a:solidFill>
+                  <a:schemeClr val="bg1"/>
+                </a:solidFill>
+                <a:latin typeface="Open Sans" panose="020B0606030504020204" pitchFamily="34" charset="0"/>
+              </a:rPr>
+              <a:t>Person.prototype.mobile</a:t>
+            </a:r>
+            <a:r>
+              <a:rPr lang="en-US" sz="1600" dirty="0">
+                <a:solidFill>
+                  <a:schemeClr val="bg1"/>
+                </a:solidFill>
+                <a:latin typeface="Open Sans" panose="020B0606030504020204" pitchFamily="34" charset="0"/>
+              </a:rPr>
+              <a:t> = 00999;</a:t>
             </a:r>
           </a:p>
           <a:p>
